--- a/Documents/Presentation-SakulinIM.pptx
+++ b/Documents/Presentation-SakulinIM.pptx
@@ -5,13 +5,15 @@
     <p:sldMasterId id="2147483722" r:id="rId1"/>
   </p:sldMasterIdLst>
   <p:notesMasterIdLst>
-    <p:notesMasterId r:id="rId6"/>
+    <p:notesMasterId r:id="rId8"/>
   </p:notesMasterIdLst>
   <p:sldIdLst>
     <p:sldId id="257" r:id="rId2"/>
     <p:sldId id="262" r:id="rId3"/>
     <p:sldId id="261" r:id="rId4"/>
     <p:sldId id="263" r:id="rId5"/>
+    <p:sldId id="265" r:id="rId6"/>
+    <p:sldId id="264" r:id="rId7"/>
   </p:sldIdLst>
   <p:sldSz cx="12192000" cy="6858000"/>
   <p:notesSz cx="6858000" cy="9144000"/>
@@ -5413,7 +5415,7 @@
           <a:p>
             <a:fld id="{1C00400B-9278-43CF-8C74-4C0FA987AB11}" type="datetimeFigureOut">
               <a:rPr lang="ru-RU" smtClean="0"/>
-              <a:t>07.02.2023</a:t>
+              <a:t>08.02.2023</a:t>
             </a:fld>
             <a:endParaRPr lang="ru-RU"/>
           </a:p>
@@ -6293,7 +6295,7 @@
 
 <file path=ppt/slideLayouts/slideLayout3.xml><?xml version="1.0" encoding="utf-8"?>
 <p:sldLayout xmlns:a="http://schemas.openxmlformats.org/drawingml/2006/main" xmlns:r="http://schemas.openxmlformats.org/officeDocument/2006/relationships" xmlns:p="http://schemas.openxmlformats.org/presentationml/2006/main" preserve="1" userDrawn="1">
-  <p:cSld name="Ресурс">
+  <p:cSld name="Ресурс Право">
     <p:spTree>
       <p:nvGrpSpPr>
         <p:cNvPr id="1" name=""/>
@@ -6754,10 +6756,10 @@
       </p:sp>
       <p:sp>
         <p:nvSpPr>
-          <p:cNvPr id="20" name="Объект 19">
+          <p:cNvPr id="3" name="Объект 19">
             <a:extLst>
               <a:ext uri="{FF2B5EF4-FFF2-40B4-BE49-F238E27FC236}">
-                <a16:creationId xmlns:a16="http://schemas.microsoft.com/office/drawing/2014/main" id="{343D3BDB-2914-478B-F5DF-E3E36C769CB6}"/>
+                <a16:creationId xmlns:a16="http://schemas.microsoft.com/office/drawing/2014/main" id="{2B24F9BD-DA46-98F0-0895-710196A75780}"/>
               </a:ext>
             </a:extLst>
           </p:cNvPr>
@@ -6770,7 +6772,7 @@
         </p:nvSpPr>
         <p:spPr>
           <a:xfrm>
-            <a:off x="338601" y="1757044"/>
+            <a:off x="501455" y="1757044"/>
             <a:ext cx="3959079" cy="4562475"/>
           </a:xfrm>
           <a:prstGeom prst="rect">
@@ -6832,7 +6834,7 @@
 
 <file path=ppt/slideLayouts/slideLayout4.xml><?xml version="1.0" encoding="utf-8"?>
 <p:sldLayout xmlns:a="http://schemas.openxmlformats.org/drawingml/2006/main" xmlns:r="http://schemas.openxmlformats.org/officeDocument/2006/relationships" xmlns:p="http://schemas.openxmlformats.org/presentationml/2006/main" preserve="1" userDrawn="1">
-  <p:cSld name="1_Ресурс">
+  <p:cSld name="Ресурс Лево">
     <p:spTree>
       <p:nvGrpSpPr>
         <p:cNvPr id="1" name=""/>
@@ -7371,7 +7373,7 @@
 
 <file path=ppt/slideLayouts/slideLayout5.xml><?xml version="1.0" encoding="utf-8"?>
 <p:sldLayout xmlns:a="http://schemas.openxmlformats.org/drawingml/2006/main" xmlns:r="http://schemas.openxmlformats.org/officeDocument/2006/relationships" xmlns:p="http://schemas.openxmlformats.org/presentationml/2006/main" preserve="1" userDrawn="1">
-  <p:cSld name="2_Ресурс">
+  <p:cSld name="2 Ресурса">
     <p:spTree>
       <p:nvGrpSpPr>
         <p:cNvPr id="1" name=""/>
@@ -9074,7 +9076,7 @@
               <a:t>файлы «</a:t>
             </a:r>
             <a:r>
-              <a:rPr lang="ru-RU" sz="1800" dirty="0" err="1">
+              <a:rPr lang="en-US" sz="1800" dirty="0">
                 <a:solidFill>
                   <a:srgbClr val="000000"/>
                 </a:solidFill>
@@ -9082,7 +9084,7 @@
                 <a:latin typeface="Times New Roman" panose="02020603050405020304" pitchFamily="18" charset="0"/>
                 <a:ea typeface="Times New Roman" panose="02020603050405020304" pitchFamily="18" charset="0"/>
               </a:rPr>
-              <a:t>SmartChicken-SakulinIM</a:t>
+              <a:t>Documents</a:t>
             </a:r>
             <a:r>
               <a:rPr lang="ru-RU" sz="1800" dirty="0">
@@ -9468,7 +9470,7 @@
             <a:spLocks noGrp="1"/>
           </p:cNvSpPr>
           <p:nvPr>
-            <p:ph sz="quarter" idx="12"/>
+            <p:ph sz="quarter" idx="4294967295"/>
           </p:nvPr>
         </p:nvSpPr>
         <p:spPr>
@@ -9476,6 +9478,9 @@
             <a:off x="338601" y="1757044"/>
             <a:ext cx="4073143" cy="4562475"/>
           </a:xfrm>
+          <a:prstGeom prst="rect">
+            <a:avLst/>
+          </a:prstGeom>
         </p:spPr>
         <p:txBody>
           <a:bodyPr/>
@@ -9956,6 +9961,814 @@
     <p:extLst>
       <p:ext uri="{BB962C8B-B14F-4D97-AF65-F5344CB8AC3E}">
         <p14:creationId xmlns:p14="http://schemas.microsoft.com/office/powerpoint/2010/main" val="1007463932"/>
+      </p:ext>
+    </p:extLst>
+  </p:cSld>
+  <p:clrMapOvr>
+    <a:masterClrMapping/>
+  </p:clrMapOvr>
+</p:sld>
+</file>
+
+<file path=ppt/slides/slide5.xml><?xml version="1.0" encoding="utf-8"?>
+<p:sld xmlns:a="http://schemas.openxmlformats.org/drawingml/2006/main" xmlns:r="http://schemas.openxmlformats.org/officeDocument/2006/relationships" xmlns:p="http://schemas.openxmlformats.org/presentationml/2006/main">
+  <p:cSld>
+    <p:spTree>
+      <p:nvGrpSpPr>
+        <p:cNvPr id="1" name=""/>
+        <p:cNvGrpSpPr/>
+        <p:nvPr/>
+      </p:nvGrpSpPr>
+      <p:grpSpPr>
+        <a:xfrm>
+          <a:off x="0" y="0"/>
+          <a:ext cx="0" cy="0"/>
+          <a:chOff x="0" y="0"/>
+          <a:chExt cx="0" cy="0"/>
+        </a:xfrm>
+      </p:grpSpPr>
+      <p:sp>
+        <p:nvSpPr>
+          <p:cNvPr id="2" name="Заголовок 1">
+            <a:extLst>
+              <a:ext uri="{FF2B5EF4-FFF2-40B4-BE49-F238E27FC236}">
+                <a16:creationId xmlns:a16="http://schemas.microsoft.com/office/drawing/2014/main" id="{C4A8AEE8-2FF1-F867-06BB-2DEAB7C16CE0}"/>
+              </a:ext>
+            </a:extLst>
+          </p:cNvPr>
+          <p:cNvSpPr>
+            <a:spLocks noGrp="1"/>
+          </p:cNvSpPr>
+          <p:nvPr>
+            <p:ph type="title"/>
+          </p:nvPr>
+        </p:nvSpPr>
+        <p:spPr/>
+        <p:txBody>
+          <a:bodyPr/>
+          <a:lstStyle/>
+          <a:p>
+            <a:r>
+              <a:rPr lang="ru-RU" dirty="0"/>
+              <a:t>ПЕЧАТНАЯ ПЛАТА</a:t>
+            </a:r>
+          </a:p>
+        </p:txBody>
+      </p:sp>
+      <p:sp>
+        <p:nvSpPr>
+          <p:cNvPr id="3" name="Объект 2">
+            <a:extLst>
+              <a:ext uri="{FF2B5EF4-FFF2-40B4-BE49-F238E27FC236}">
+                <a16:creationId xmlns:a16="http://schemas.microsoft.com/office/drawing/2014/main" id="{B417C391-93D8-797C-F3DC-8D42EDBB7D53}"/>
+              </a:ext>
+            </a:extLst>
+          </p:cNvPr>
+          <p:cNvSpPr>
+            <a:spLocks noGrp="1"/>
+          </p:cNvSpPr>
+          <p:nvPr>
+            <p:ph sz="quarter" idx="11"/>
+          </p:nvPr>
+        </p:nvSpPr>
+        <p:spPr/>
+        <p:txBody>
+          <a:bodyPr/>
+          <a:lstStyle/>
+          <a:p>
+            <a:r>
+              <a:rPr lang="ru-RU" dirty="0"/>
+              <a:t>/* фотку плат */</a:t>
+            </a:r>
+          </a:p>
+        </p:txBody>
+      </p:sp>
+      <p:sp>
+        <p:nvSpPr>
+          <p:cNvPr id="4" name="Объект 3">
+            <a:extLst>
+              <a:ext uri="{FF2B5EF4-FFF2-40B4-BE49-F238E27FC236}">
+                <a16:creationId xmlns:a16="http://schemas.microsoft.com/office/drawing/2014/main" id="{5C90A2EE-69E2-603A-EAF4-7634EFE6E7AD}"/>
+              </a:ext>
+            </a:extLst>
+          </p:cNvPr>
+          <p:cNvSpPr>
+            <a:spLocks noGrp="1"/>
+          </p:cNvSpPr>
+          <p:nvPr>
+            <p:ph sz="quarter" idx="12"/>
+          </p:nvPr>
+        </p:nvSpPr>
+        <p:spPr>
+          <a:xfrm>
+            <a:off x="314960" y="2926081"/>
+            <a:ext cx="4317999" cy="1859280"/>
+          </a:xfrm>
+        </p:spPr>
+        <p:txBody>
+          <a:bodyPr/>
+          <a:lstStyle/>
+          <a:p>
+            <a:pPr marL="0" indent="0" algn="ctr">
+              <a:buNone/>
+            </a:pPr>
+            <a:r>
+              <a:rPr lang="ru-RU" sz="4000" dirty="0">
+                <a:solidFill>
+                  <a:srgbClr val="A77E58"/>
+                </a:solidFill>
+              </a:rPr>
+              <a:t>Первая печатная плата прототипа</a:t>
+            </a:r>
+          </a:p>
+          <a:p>
+            <a:pPr marL="0" indent="0" algn="ctr">
+              <a:buNone/>
+            </a:pPr>
+            <a:r>
+              <a:rPr lang="ru-RU" dirty="0">
+                <a:solidFill>
+                  <a:srgbClr val="A77E58"/>
+                </a:solidFill>
+              </a:rPr>
+              <a:t>Разработано в </a:t>
+            </a:r>
+            <a:r>
+              <a:rPr lang="en-US" b="1" dirty="0" err="1">
+                <a:solidFill>
+                  <a:srgbClr val="A77E58"/>
+                </a:solidFill>
+              </a:rPr>
+              <a:t>EasyEDA</a:t>
+            </a:r>
+            <a:endParaRPr lang="ru-RU" sz="2400" b="1" dirty="0">
+              <a:solidFill>
+                <a:srgbClr val="A77E58"/>
+              </a:solidFill>
+            </a:endParaRPr>
+          </a:p>
+        </p:txBody>
+      </p:sp>
+    </p:spTree>
+    <p:extLst>
+      <p:ext uri="{BB962C8B-B14F-4D97-AF65-F5344CB8AC3E}">
+        <p14:creationId xmlns:p14="http://schemas.microsoft.com/office/powerpoint/2010/main" val="1958172667"/>
+      </p:ext>
+    </p:extLst>
+  </p:cSld>
+  <p:clrMapOvr>
+    <a:masterClrMapping/>
+  </p:clrMapOvr>
+</p:sld>
+</file>
+
+<file path=ppt/slides/slide6.xml><?xml version="1.0" encoding="utf-8"?>
+<p:sld xmlns:a="http://schemas.openxmlformats.org/drawingml/2006/main" xmlns:r="http://schemas.openxmlformats.org/officeDocument/2006/relationships" xmlns:p="http://schemas.openxmlformats.org/presentationml/2006/main">
+  <p:cSld>
+    <p:spTree>
+      <p:nvGrpSpPr>
+        <p:cNvPr id="1" name=""/>
+        <p:cNvGrpSpPr/>
+        <p:nvPr/>
+      </p:nvGrpSpPr>
+      <p:grpSpPr>
+        <a:xfrm>
+          <a:off x="0" y="0"/>
+          <a:ext cx="0" cy="0"/>
+          <a:chOff x="0" y="0"/>
+          <a:chExt cx="0" cy="0"/>
+        </a:xfrm>
+      </p:grpSpPr>
+      <p:sp>
+        <p:nvSpPr>
+          <p:cNvPr id="2" name="Заголовок 1">
+            <a:extLst>
+              <a:ext uri="{FF2B5EF4-FFF2-40B4-BE49-F238E27FC236}">
+                <a16:creationId xmlns:a16="http://schemas.microsoft.com/office/drawing/2014/main" id="{8866D0B2-5F79-035B-32DE-387C10499497}"/>
+              </a:ext>
+            </a:extLst>
+          </p:cNvPr>
+          <p:cNvSpPr>
+            <a:spLocks noGrp="1"/>
+          </p:cNvSpPr>
+          <p:nvPr>
+            <p:ph type="title"/>
+          </p:nvPr>
+        </p:nvSpPr>
+        <p:spPr/>
+        <p:txBody>
+          <a:bodyPr/>
+          <a:lstStyle/>
+          <a:p>
+            <a:r>
+              <a:rPr lang="ru-RU" dirty="0"/>
+              <a:t>РЕСУРСЫ</a:t>
+            </a:r>
+          </a:p>
+        </p:txBody>
+      </p:sp>
+      <p:pic>
+        <p:nvPicPr>
+          <p:cNvPr id="37" name="Рисунок 36">
+            <a:extLst>
+              <a:ext uri="{FF2B5EF4-FFF2-40B4-BE49-F238E27FC236}">
+                <a16:creationId xmlns:a16="http://schemas.microsoft.com/office/drawing/2014/main" id="{07C72F2F-886C-8C6B-B6B0-5CAF37889FAC}"/>
+              </a:ext>
+            </a:extLst>
+          </p:cNvPr>
+          <p:cNvPicPr>
+            <a:picLocks noChangeAspect="1"/>
+          </p:cNvPicPr>
+          <p:nvPr/>
+        </p:nvPicPr>
+        <p:blipFill>
+          <a:blip r:embed="rId2">
+            <a:extLst>
+              <a:ext uri="{28A0092B-C50C-407E-A947-70E740481C1C}">
+                <a14:useLocalDpi xmlns:a14="http://schemas.microsoft.com/office/drawing/2010/main" val="0"/>
+              </a:ext>
+            </a:extLst>
+          </a:blip>
+          <a:stretch>
+            <a:fillRect/>
+          </a:stretch>
+        </p:blipFill>
+        <p:spPr>
+          <a:xfrm>
+            <a:off x="4735991" y="1376207"/>
+            <a:ext cx="3572396" cy="3572396"/>
+          </a:xfrm>
+          <a:prstGeom prst="rect">
+            <a:avLst/>
+          </a:prstGeom>
+        </p:spPr>
+      </p:pic>
+      <p:pic>
+        <p:nvPicPr>
+          <p:cNvPr id="39" name="Рисунок 38">
+            <a:extLst>
+              <a:ext uri="{FF2B5EF4-FFF2-40B4-BE49-F238E27FC236}">
+                <a16:creationId xmlns:a16="http://schemas.microsoft.com/office/drawing/2014/main" id="{D1B79134-5513-1723-E91E-D6483FCD5D07}"/>
+              </a:ext>
+            </a:extLst>
+          </p:cNvPr>
+          <p:cNvPicPr>
+            <a:picLocks noChangeAspect="1"/>
+          </p:cNvPicPr>
+          <p:nvPr/>
+        </p:nvPicPr>
+        <p:blipFill>
+          <a:blip r:embed="rId3">
+            <a:extLst>
+              <a:ext uri="{28A0092B-C50C-407E-A947-70E740481C1C}">
+                <a14:useLocalDpi xmlns:a14="http://schemas.microsoft.com/office/drawing/2010/main" val="0"/>
+              </a:ext>
+            </a:extLst>
+          </a:blip>
+          <a:stretch>
+            <a:fillRect/>
+          </a:stretch>
+        </p:blipFill>
+        <p:spPr>
+          <a:xfrm>
+            <a:off x="9613724" y="1836842"/>
+            <a:ext cx="2261043" cy="1325563"/>
+          </a:xfrm>
+          <a:prstGeom prst="rect">
+            <a:avLst/>
+          </a:prstGeom>
+        </p:spPr>
+      </p:pic>
+      <p:pic>
+        <p:nvPicPr>
+          <p:cNvPr id="41" name="Рисунок 40">
+            <a:extLst>
+              <a:ext uri="{FF2B5EF4-FFF2-40B4-BE49-F238E27FC236}">
+                <a16:creationId xmlns:a16="http://schemas.microsoft.com/office/drawing/2014/main" id="{88C9DAFF-4080-D0D6-5B4D-09265D8ABF18}"/>
+              </a:ext>
+            </a:extLst>
+          </p:cNvPr>
+          <p:cNvPicPr>
+            <a:picLocks noChangeAspect="1"/>
+          </p:cNvPicPr>
+          <p:nvPr/>
+        </p:nvPicPr>
+        <p:blipFill>
+          <a:blip r:embed="rId4">
+            <a:extLst>
+              <a:ext uri="{28A0092B-C50C-407E-A947-70E740481C1C}">
+                <a14:useLocalDpi xmlns:a14="http://schemas.microsoft.com/office/drawing/2010/main" val="0"/>
+              </a:ext>
+            </a:extLst>
+          </a:blip>
+          <a:stretch>
+            <a:fillRect/>
+          </a:stretch>
+        </p:blipFill>
+        <p:spPr>
+          <a:xfrm rot="14304171">
+            <a:off x="7421493" y="3137771"/>
+            <a:ext cx="1645408" cy="1953720"/>
+          </a:xfrm>
+          <a:prstGeom prst="rect">
+            <a:avLst/>
+          </a:prstGeom>
+        </p:spPr>
+      </p:pic>
+      <p:pic>
+        <p:nvPicPr>
+          <p:cNvPr id="43" name="Рисунок 42">
+            <a:extLst>
+              <a:ext uri="{FF2B5EF4-FFF2-40B4-BE49-F238E27FC236}">
+                <a16:creationId xmlns:a16="http://schemas.microsoft.com/office/drawing/2014/main" id="{2E66D33D-D5BA-34BD-EF99-A9D93F0F89D7}"/>
+              </a:ext>
+            </a:extLst>
+          </p:cNvPr>
+          <p:cNvPicPr>
+            <a:picLocks noChangeAspect="1"/>
+          </p:cNvPicPr>
+          <p:nvPr/>
+        </p:nvPicPr>
+        <p:blipFill>
+          <a:blip r:embed="rId5">
+            <a:extLst>
+              <a:ext uri="{28A0092B-C50C-407E-A947-70E740481C1C}">
+                <a14:useLocalDpi xmlns:a14="http://schemas.microsoft.com/office/drawing/2010/main" val="0"/>
+              </a:ext>
+            </a:extLst>
+          </a:blip>
+          <a:stretch>
+            <a:fillRect/>
+          </a:stretch>
+        </p:blipFill>
+        <p:spPr>
+          <a:xfrm rot="16200000">
+            <a:off x="5659131" y="4739165"/>
+            <a:ext cx="1485884" cy="2250749"/>
+          </a:xfrm>
+          <a:prstGeom prst="rect">
+            <a:avLst/>
+          </a:prstGeom>
+          <a:ln>
+            <a:solidFill>
+              <a:srgbClr val="80A1C1"/>
+            </a:solidFill>
+          </a:ln>
+        </p:spPr>
+      </p:pic>
+      <p:pic>
+        <p:nvPicPr>
+          <p:cNvPr id="45" name="Рисунок 44">
+            <a:extLst>
+              <a:ext uri="{FF2B5EF4-FFF2-40B4-BE49-F238E27FC236}">
+                <a16:creationId xmlns:a16="http://schemas.microsoft.com/office/drawing/2014/main" id="{475E18FE-0C05-75E3-4E57-03010D77942A}"/>
+              </a:ext>
+            </a:extLst>
+          </p:cNvPr>
+          <p:cNvPicPr>
+            <a:picLocks noChangeAspect="1"/>
+          </p:cNvPicPr>
+          <p:nvPr/>
+        </p:nvPicPr>
+        <p:blipFill>
+          <a:blip r:embed="rId6">
+            <a:extLst>
+              <a:ext uri="{28A0092B-C50C-407E-A947-70E740481C1C}">
+                <a14:useLocalDpi xmlns:a14="http://schemas.microsoft.com/office/drawing/2010/main" val="0"/>
+              </a:ext>
+            </a:extLst>
+          </a:blip>
+          <a:stretch>
+            <a:fillRect/>
+          </a:stretch>
+        </p:blipFill>
+        <p:spPr>
+          <a:xfrm>
+            <a:off x="8445785" y="3435587"/>
+            <a:ext cx="3660417" cy="3372022"/>
+          </a:xfrm>
+          <a:prstGeom prst="rect">
+            <a:avLst/>
+          </a:prstGeom>
+        </p:spPr>
+      </p:pic>
+      <p:sp>
+        <p:nvSpPr>
+          <p:cNvPr id="46" name="TextBox 45">
+            <a:extLst>
+              <a:ext uri="{FF2B5EF4-FFF2-40B4-BE49-F238E27FC236}">
+                <a16:creationId xmlns:a16="http://schemas.microsoft.com/office/drawing/2014/main" id="{2799251E-CB72-A101-3BC4-0D9AED34247E}"/>
+              </a:ext>
+            </a:extLst>
+          </p:cNvPr>
+          <p:cNvSpPr txBox="1"/>
+          <p:nvPr/>
+        </p:nvSpPr>
+        <p:spPr>
+          <a:xfrm>
+            <a:off x="5119913" y="1677473"/>
+            <a:ext cx="2407535" cy="461665"/>
+          </a:xfrm>
+          <a:prstGeom prst="rect">
+            <a:avLst/>
+          </a:prstGeom>
+          <a:noFill/>
+          <a:ln>
+            <a:noFill/>
+          </a:ln>
+        </p:spPr>
+        <p:txBody>
+          <a:bodyPr wrap="square" rtlCol="0">
+            <a:spAutoFit/>
+          </a:bodyPr>
+          <a:lstStyle/>
+          <a:p>
+            <a:pPr algn="ctr"/>
+            <a:r>
+              <a:rPr lang="en-US" sz="2400" dirty="0">
+                <a:solidFill>
+                  <a:srgbClr val="80A1C1"/>
+                </a:solidFill>
+                <a:latin typeface="+mj-lt"/>
+              </a:rPr>
+              <a:t>ATMEGA328P</a:t>
+            </a:r>
+            <a:endParaRPr lang="ru-RU" sz="2400" dirty="0">
+              <a:solidFill>
+                <a:srgbClr val="80A1C1"/>
+              </a:solidFill>
+              <a:latin typeface="+mj-lt"/>
+            </a:endParaRPr>
+          </a:p>
+        </p:txBody>
+      </p:sp>
+      <p:sp>
+        <p:nvSpPr>
+          <p:cNvPr id="47" name="TextBox 46">
+            <a:extLst>
+              <a:ext uri="{FF2B5EF4-FFF2-40B4-BE49-F238E27FC236}">
+                <a16:creationId xmlns:a16="http://schemas.microsoft.com/office/drawing/2014/main" id="{191A5FEE-9BD3-FA0D-A095-7EF8A7B15938}"/>
+              </a:ext>
+            </a:extLst>
+          </p:cNvPr>
+          <p:cNvSpPr txBox="1"/>
+          <p:nvPr/>
+        </p:nvSpPr>
+        <p:spPr>
+          <a:xfrm>
+            <a:off x="5890021" y="4516425"/>
+            <a:ext cx="1189244" cy="461665"/>
+          </a:xfrm>
+          <a:prstGeom prst="rect">
+            <a:avLst/>
+          </a:prstGeom>
+          <a:noFill/>
+          <a:ln>
+            <a:noFill/>
+          </a:ln>
+        </p:spPr>
+        <p:txBody>
+          <a:bodyPr wrap="square" rtlCol="0">
+            <a:spAutoFit/>
+          </a:bodyPr>
+          <a:lstStyle/>
+          <a:p>
+            <a:pPr algn="ctr"/>
+            <a:r>
+              <a:rPr lang="en-US" sz="2400" dirty="0">
+                <a:solidFill>
+                  <a:srgbClr val="80A1C1"/>
+                </a:solidFill>
+                <a:latin typeface="+mj-lt"/>
+              </a:rPr>
+              <a:t>WI-FI</a:t>
+            </a:r>
+            <a:endParaRPr lang="ru-RU" sz="2400" dirty="0">
+              <a:solidFill>
+                <a:srgbClr val="80A1C1"/>
+              </a:solidFill>
+              <a:latin typeface="+mj-lt"/>
+            </a:endParaRPr>
+          </a:p>
+        </p:txBody>
+      </p:sp>
+      <p:sp>
+        <p:nvSpPr>
+          <p:cNvPr id="48" name="TextBox 47">
+            <a:extLst>
+              <a:ext uri="{FF2B5EF4-FFF2-40B4-BE49-F238E27FC236}">
+                <a16:creationId xmlns:a16="http://schemas.microsoft.com/office/drawing/2014/main" id="{B3496F78-08C3-5DEF-869B-80E97FC675E2}"/>
+              </a:ext>
+            </a:extLst>
+          </p:cNvPr>
+          <p:cNvSpPr txBox="1"/>
+          <p:nvPr/>
+        </p:nvSpPr>
+        <p:spPr>
+          <a:xfrm>
+            <a:off x="7664248" y="2914808"/>
+            <a:ext cx="1563074" cy="461665"/>
+          </a:xfrm>
+          <a:prstGeom prst="rect">
+            <a:avLst/>
+          </a:prstGeom>
+          <a:noFill/>
+          <a:ln>
+            <a:noFill/>
+          </a:ln>
+        </p:spPr>
+        <p:txBody>
+          <a:bodyPr wrap="square" rtlCol="0">
+            <a:spAutoFit/>
+          </a:bodyPr>
+          <a:lstStyle/>
+          <a:p>
+            <a:pPr algn="ctr"/>
+            <a:r>
+              <a:rPr lang="ru-RU" sz="2400" dirty="0">
+                <a:solidFill>
+                  <a:srgbClr val="80A1C1"/>
+                </a:solidFill>
+                <a:latin typeface="+mj-lt"/>
+              </a:rPr>
+              <a:t>ТАЙМЕР</a:t>
+            </a:r>
+          </a:p>
+        </p:txBody>
+      </p:sp>
+      <p:sp>
+        <p:nvSpPr>
+          <p:cNvPr id="49" name="TextBox 48">
+            <a:extLst>
+              <a:ext uri="{FF2B5EF4-FFF2-40B4-BE49-F238E27FC236}">
+                <a16:creationId xmlns:a16="http://schemas.microsoft.com/office/drawing/2014/main" id="{88E7102A-B881-6959-02B3-FE0FCD6A385E}"/>
+              </a:ext>
+            </a:extLst>
+          </p:cNvPr>
+          <p:cNvSpPr txBox="1"/>
+          <p:nvPr/>
+        </p:nvSpPr>
+        <p:spPr>
+          <a:xfrm>
+            <a:off x="10680526" y="5864539"/>
+            <a:ext cx="1563074" cy="461665"/>
+          </a:xfrm>
+          <a:prstGeom prst="rect">
+            <a:avLst/>
+          </a:prstGeom>
+          <a:noFill/>
+          <a:ln>
+            <a:noFill/>
+          </a:ln>
+        </p:spPr>
+        <p:txBody>
+          <a:bodyPr wrap="square" rtlCol="0">
+            <a:spAutoFit/>
+          </a:bodyPr>
+          <a:lstStyle/>
+          <a:p>
+            <a:pPr algn="ctr"/>
+            <a:r>
+              <a:rPr lang="ru-RU" sz="2400" dirty="0">
+                <a:solidFill>
+                  <a:srgbClr val="80A1C1"/>
+                </a:solidFill>
+                <a:latin typeface="+mj-lt"/>
+              </a:rPr>
+              <a:t>РЕЛЕ</a:t>
+            </a:r>
+          </a:p>
+        </p:txBody>
+      </p:sp>
+      <p:sp>
+        <p:nvSpPr>
+          <p:cNvPr id="50" name="TextBox 49">
+            <a:extLst>
+              <a:ext uri="{FF2B5EF4-FFF2-40B4-BE49-F238E27FC236}">
+                <a16:creationId xmlns:a16="http://schemas.microsoft.com/office/drawing/2014/main" id="{F2E83377-6890-8615-569E-387E630247FF}"/>
+              </a:ext>
+            </a:extLst>
+          </p:cNvPr>
+          <p:cNvSpPr txBox="1"/>
+          <p:nvPr/>
+        </p:nvSpPr>
+        <p:spPr>
+          <a:xfrm>
+            <a:off x="9962708" y="1287423"/>
+            <a:ext cx="1563074" cy="461665"/>
+          </a:xfrm>
+          <a:prstGeom prst="rect">
+            <a:avLst/>
+          </a:prstGeom>
+          <a:noFill/>
+          <a:ln>
+            <a:noFill/>
+          </a:ln>
+        </p:spPr>
+        <p:txBody>
+          <a:bodyPr wrap="square" rtlCol="0">
+            <a:spAutoFit/>
+          </a:bodyPr>
+          <a:lstStyle/>
+          <a:p>
+            <a:pPr algn="ctr"/>
+            <a:r>
+              <a:rPr lang="ru-RU" sz="2400" dirty="0">
+                <a:solidFill>
+                  <a:srgbClr val="80A1C1"/>
+                </a:solidFill>
+                <a:latin typeface="+mj-lt"/>
+              </a:rPr>
+              <a:t>ДАТЧИК</a:t>
+            </a:r>
+          </a:p>
+        </p:txBody>
+      </p:sp>
+      <p:sp>
+        <p:nvSpPr>
+          <p:cNvPr id="53" name="Прямоугольник: скругленные углы 52">
+            <a:extLst>
+              <a:ext uri="{FF2B5EF4-FFF2-40B4-BE49-F238E27FC236}">
+                <a16:creationId xmlns:a16="http://schemas.microsoft.com/office/drawing/2014/main" id="{EFFA3ABF-6E72-E7E0-39F6-23ED88A963A5}"/>
+              </a:ext>
+            </a:extLst>
+          </p:cNvPr>
+          <p:cNvSpPr/>
+          <p:nvPr/>
+        </p:nvSpPr>
+        <p:spPr>
+          <a:xfrm>
+            <a:off x="724291" y="4802918"/>
+            <a:ext cx="3572395" cy="1881669"/>
+          </a:xfrm>
+          <a:prstGeom prst="roundRect">
+            <a:avLst/>
+          </a:prstGeom>
+          <a:solidFill>
+            <a:srgbClr val="D9CFC1"/>
+          </a:solidFill>
+          <a:ln>
+            <a:noFill/>
+          </a:ln>
+        </p:spPr>
+        <p:style>
+          <a:lnRef idx="2">
+            <a:schemeClr val="accent6"/>
+          </a:lnRef>
+          <a:fillRef idx="1">
+            <a:schemeClr val="lt1"/>
+          </a:fillRef>
+          <a:effectRef idx="0">
+            <a:schemeClr val="accent6"/>
+          </a:effectRef>
+          <a:fontRef idx="minor">
+            <a:schemeClr val="dk1"/>
+          </a:fontRef>
+        </p:style>
+        <p:txBody>
+          <a:bodyPr rtlCol="0" anchor="ctr"/>
+          <a:lstStyle/>
+          <a:p>
+            <a:pPr algn="ctr"/>
+            <a:endParaRPr lang="ru-RU" dirty="0"/>
+          </a:p>
+        </p:txBody>
+      </p:sp>
+      <p:sp>
+        <p:nvSpPr>
+          <p:cNvPr id="52" name="TextBox 51">
+            <a:extLst>
+              <a:ext uri="{FF2B5EF4-FFF2-40B4-BE49-F238E27FC236}">
+                <a16:creationId xmlns:a16="http://schemas.microsoft.com/office/drawing/2014/main" id="{DAF99440-2C5A-274D-07C9-0E07415C8A72}"/>
+              </a:ext>
+            </a:extLst>
+          </p:cNvPr>
+          <p:cNvSpPr txBox="1"/>
+          <p:nvPr/>
+        </p:nvSpPr>
+        <p:spPr>
+          <a:xfrm>
+            <a:off x="754268" y="4752642"/>
+            <a:ext cx="3572396" cy="1881669"/>
+          </a:xfrm>
+          <a:prstGeom prst="rect">
+            <a:avLst/>
+          </a:prstGeom>
+          <a:noFill/>
+          <a:ln>
+            <a:noFill/>
+          </a:ln>
+        </p:spPr>
+        <p:txBody>
+          <a:bodyPr wrap="square" rtlCol="0">
+            <a:spAutoFit/>
+          </a:bodyPr>
+          <a:lstStyle/>
+          <a:p>
+            <a:pPr lvl="0" algn="just">
+              <a:lnSpc>
+                <a:spcPct val="150000"/>
+              </a:lnSpc>
+            </a:pPr>
+            <a:r>
+              <a:rPr lang="ru-RU" sz="2000" dirty="0">
+                <a:solidFill>
+                  <a:srgbClr val="80A1C1"/>
+                </a:solidFill>
+                <a:effectLst/>
+                <a:ea typeface="Times New Roman" panose="02020603050405020304" pitchFamily="18" charset="0"/>
+              </a:rPr>
+              <a:t>Проект разрабатывался на протяжении </a:t>
+            </a:r>
+            <a:r>
+              <a:rPr lang="ru-RU" sz="2000" b="1" dirty="0">
+                <a:solidFill>
+                  <a:srgbClr val="80A1C1"/>
+                </a:solidFill>
+                <a:effectLst/>
+                <a:ea typeface="Times New Roman" panose="02020603050405020304" pitchFamily="18" charset="0"/>
+              </a:rPr>
+              <a:t>3х</a:t>
+            </a:r>
+            <a:r>
+              <a:rPr lang="ru-RU" sz="2000" dirty="0">
+                <a:solidFill>
+                  <a:srgbClr val="80A1C1"/>
+                </a:solidFill>
+                <a:effectLst/>
+                <a:ea typeface="Times New Roman" panose="02020603050405020304" pitchFamily="18" charset="0"/>
+              </a:rPr>
+              <a:t> месяцев. </a:t>
+            </a:r>
+          </a:p>
+          <a:p>
+            <a:pPr lvl="0" algn="just">
+              <a:lnSpc>
+                <a:spcPct val="150000"/>
+              </a:lnSpc>
+            </a:pPr>
+            <a:r>
+              <a:rPr lang="ru-RU" sz="2000" dirty="0">
+                <a:solidFill>
+                  <a:srgbClr val="80A1C1"/>
+                </a:solidFill>
+                <a:effectLst/>
+                <a:ea typeface="Times New Roman" panose="02020603050405020304" pitchFamily="18" charset="0"/>
+              </a:rPr>
+              <a:t>Расчётное время работы над проектом </a:t>
+            </a:r>
+            <a:r>
+              <a:rPr lang="ru-RU" sz="2000" b="1" dirty="0">
+                <a:solidFill>
+                  <a:srgbClr val="80A1C1"/>
+                </a:solidFill>
+                <a:effectLst/>
+                <a:ea typeface="Times New Roman" panose="02020603050405020304" pitchFamily="18" charset="0"/>
+              </a:rPr>
+              <a:t>200-400 часов.</a:t>
+            </a:r>
+          </a:p>
+        </p:txBody>
+      </p:sp>
+      <p:sp>
+        <p:nvSpPr>
+          <p:cNvPr id="54" name="TextBox 53">
+            <a:extLst>
+              <a:ext uri="{FF2B5EF4-FFF2-40B4-BE49-F238E27FC236}">
+                <a16:creationId xmlns:a16="http://schemas.microsoft.com/office/drawing/2014/main" id="{A79CD9FC-A0F2-64FB-DB82-602A07B32711}"/>
+              </a:ext>
+            </a:extLst>
+          </p:cNvPr>
+          <p:cNvSpPr txBox="1"/>
+          <p:nvPr/>
+        </p:nvSpPr>
+        <p:spPr>
+          <a:xfrm>
+            <a:off x="1549685" y="2545476"/>
+            <a:ext cx="1993174" cy="369332"/>
+          </a:xfrm>
+          <a:prstGeom prst="rect">
+            <a:avLst/>
+          </a:prstGeom>
+          <a:noFill/>
+        </p:spPr>
+        <p:txBody>
+          <a:bodyPr wrap="none" rtlCol="0">
+            <a:spAutoFit/>
+          </a:bodyPr>
+          <a:lstStyle/>
+          <a:p>
+            <a:r>
+              <a:rPr lang="ru-RU" dirty="0"/>
+              <a:t>/*Фото корпуса*/</a:t>
+            </a:r>
+          </a:p>
+        </p:txBody>
+      </p:sp>
+    </p:spTree>
+    <p:extLst>
+      <p:ext uri="{BB962C8B-B14F-4D97-AF65-F5344CB8AC3E}">
+        <p14:creationId xmlns:p14="http://schemas.microsoft.com/office/powerpoint/2010/main" val="229724050"/>
       </p:ext>
     </p:extLst>
   </p:cSld>
